--- a/Later/Spring_Later/20_SprintBoot_Basics/1/Spring Boot_Bootstrapping_maven.pptx
+++ b/Later/Spring_Later/20_SprintBoot_Basics/1/Spring Boot_Bootstrapping_maven.pptx
@@ -4405,10 +4405,42 @@
               <a:rPr lang="en-US" sz="1200" dirty="0"/>
               <a:t> and choose your Build, Spring Boot Version and platform. Also, you need to provide a Group, Artifact and required dependencies to run the application.</a:t>
             </a:r>
-            <a:endParaRPr lang="en-US" sz="1200" dirty="0"/>
-          </a:p>
-        </p:txBody>
-      </p:sp>
+          </a:p>
+        </p:txBody>
+      </p:sp>
+      <p:cxnSp>
+        <p:nvCxnSpPr>
+          <p:cNvPr id="8" name="Straight Arrow Connector 7"/>
+          <p:cNvCxnSpPr/>
+          <p:nvPr/>
+        </p:nvCxnSpPr>
+        <p:spPr>
+          <a:xfrm flipH="1">
+            <a:off x="3276600" y="2133600"/>
+            <a:ext cx="533400" cy="304800"/>
+          </a:xfrm>
+          <a:prstGeom prst="straightConnector1">
+            <a:avLst/>
+          </a:prstGeom>
+          <a:ln>
+            <a:tailEnd type="arrow"/>
+          </a:ln>
+        </p:spPr>
+        <p:style>
+          <a:lnRef idx="2">
+            <a:schemeClr val="accent2"/>
+          </a:lnRef>
+          <a:fillRef idx="0">
+            <a:schemeClr val="accent2"/>
+          </a:fillRef>
+          <a:effectRef idx="1">
+            <a:schemeClr val="accent2"/>
+          </a:effectRef>
+          <a:fontRef idx="minor">
+            <a:schemeClr val="tx1"/>
+          </a:fontRef>
+        </p:style>
+      </p:cxnSp>
     </p:spTree>
     <p:extLst>
       <p:ext uri="{BB962C8B-B14F-4D97-AF65-F5344CB8AC3E}">
@@ -4812,7 +4844,6 @@
               <a:rPr lang="en-US" sz="1200" dirty="0"/>
               <a:t> dependency in our class path.</a:t>
             </a:r>
-            <a:endParaRPr lang="en-US" sz="1200" dirty="0"/>
           </a:p>
         </p:txBody>
       </p:sp>
@@ -5194,7 +5225,6 @@
               <a:rPr lang="en-US" sz="1200" dirty="0"/>
               <a:t>the entry point of the spring boot application to start</a:t>
             </a:r>
-            <a:endParaRPr lang="en-US" sz="1200" dirty="0"/>
           </a:p>
         </p:txBody>
       </p:sp>
